--- a/iot-basic/images/iothub.pptx
+++ b/iot-basic/images/iothub.pptx
@@ -290,7 +290,7 @@
           <a:p>
             <a:fld id="{423E73C1-A55A-E744-B6CD-C2F9DA663573}" type="datetimeFigureOut">
               <a:rPr kumimoji="1" lang="ja-JP" altLang="en-US" smtClean="0"/>
-              <a:t>2018/9/18</a:t>
+              <a:t>2018/9/19</a:t>
             </a:fld>
             <a:endParaRPr kumimoji="1" lang="ja-JP" altLang="en-US"/>
           </a:p>
@@ -495,7 +495,7 @@
           <a:p>
             <a:fld id="{423E73C1-A55A-E744-B6CD-C2F9DA663573}" type="datetimeFigureOut">
               <a:rPr kumimoji="1" lang="ja-JP" altLang="en-US" smtClean="0"/>
-              <a:t>2018/9/18</a:t>
+              <a:t>2018/9/19</a:t>
             </a:fld>
             <a:endParaRPr kumimoji="1" lang="ja-JP" altLang="en-US"/>
           </a:p>
@@ -710,7 +710,7 @@
           <a:p>
             <a:fld id="{423E73C1-A55A-E744-B6CD-C2F9DA663573}" type="datetimeFigureOut">
               <a:rPr kumimoji="1" lang="ja-JP" altLang="en-US" smtClean="0"/>
-              <a:t>2018/9/18</a:t>
+              <a:t>2018/9/19</a:t>
             </a:fld>
             <a:endParaRPr kumimoji="1" lang="ja-JP" altLang="en-US"/>
           </a:p>
@@ -915,7 +915,7 @@
           <a:p>
             <a:fld id="{423E73C1-A55A-E744-B6CD-C2F9DA663573}" type="datetimeFigureOut">
               <a:rPr kumimoji="1" lang="ja-JP" altLang="en-US" smtClean="0"/>
-              <a:t>2018/9/18</a:t>
+              <a:t>2018/9/19</a:t>
             </a:fld>
             <a:endParaRPr kumimoji="1" lang="ja-JP" altLang="en-US"/>
           </a:p>
@@ -1225,7 +1225,7 @@
           <a:p>
             <a:fld id="{423E73C1-A55A-E744-B6CD-C2F9DA663573}" type="datetimeFigureOut">
               <a:rPr kumimoji="1" lang="ja-JP" altLang="en-US" smtClean="0"/>
-              <a:t>2018/9/18</a:t>
+              <a:t>2018/9/19</a:t>
             </a:fld>
             <a:endParaRPr kumimoji="1" lang="ja-JP" altLang="en-US"/>
           </a:p>
@@ -1504,7 +1504,7 @@
           <a:p>
             <a:fld id="{423E73C1-A55A-E744-B6CD-C2F9DA663573}" type="datetimeFigureOut">
               <a:rPr kumimoji="1" lang="ja-JP" altLang="en-US" smtClean="0"/>
-              <a:t>2018/9/18</a:t>
+              <a:t>2018/9/19</a:t>
             </a:fld>
             <a:endParaRPr kumimoji="1" lang="ja-JP" altLang="en-US"/>
           </a:p>
@@ -2000,7 +2000,7 @@
           <a:p>
             <a:fld id="{423E73C1-A55A-E744-B6CD-C2F9DA663573}" type="datetimeFigureOut">
               <a:rPr kumimoji="1" lang="ja-JP" altLang="en-US" smtClean="0"/>
-              <a:t>2018/9/18</a:t>
+              <a:t>2018/9/19</a:t>
             </a:fld>
             <a:endParaRPr kumimoji="1" lang="ja-JP" altLang="en-US"/>
           </a:p>
@@ -2152,7 +2152,7 @@
           <a:p>
             <a:fld id="{423E73C1-A55A-E744-B6CD-C2F9DA663573}" type="datetimeFigureOut">
               <a:rPr kumimoji="1" lang="ja-JP" altLang="en-US" smtClean="0"/>
-              <a:t>2018/9/18</a:t>
+              <a:t>2018/9/19</a:t>
             </a:fld>
             <a:endParaRPr kumimoji="1" lang="ja-JP" altLang="en-US"/>
           </a:p>
@@ -2265,7 +2265,7 @@
           <a:p>
             <a:fld id="{423E73C1-A55A-E744-B6CD-C2F9DA663573}" type="datetimeFigureOut">
               <a:rPr kumimoji="1" lang="ja-JP" altLang="en-US" smtClean="0"/>
-              <a:t>2018/9/18</a:t>
+              <a:t>2018/9/19</a:t>
             </a:fld>
             <a:endParaRPr kumimoji="1" lang="ja-JP" altLang="en-US"/>
           </a:p>
@@ -2618,7 +2618,7 @@
           <a:p>
             <a:fld id="{423E73C1-A55A-E744-B6CD-C2F9DA663573}" type="datetimeFigureOut">
               <a:rPr kumimoji="1" lang="ja-JP" altLang="en-US" smtClean="0"/>
-              <a:t>2018/9/18</a:t>
+              <a:t>2018/9/19</a:t>
             </a:fld>
             <a:endParaRPr kumimoji="1" lang="ja-JP" altLang="en-US"/>
           </a:p>
@@ -2941,7 +2941,7 @@
           <a:p>
             <a:fld id="{423E73C1-A55A-E744-B6CD-C2F9DA663573}" type="datetimeFigureOut">
               <a:rPr kumimoji="1" lang="ja-JP" altLang="en-US" smtClean="0"/>
-              <a:t>2018/9/18</a:t>
+              <a:t>2018/9/19</a:t>
             </a:fld>
             <a:endParaRPr kumimoji="1" lang="ja-JP" altLang="en-US"/>
           </a:p>
@@ -3189,7 +3189,7 @@
           <a:p>
             <a:fld id="{423E73C1-A55A-E744-B6CD-C2F9DA663573}" type="datetimeFigureOut">
               <a:rPr kumimoji="1" lang="ja-JP" altLang="en-US" smtClean="0"/>
-              <a:t>2018/9/18</a:t>
+              <a:t>2018/9/19</a:t>
             </a:fld>
             <a:endParaRPr kumimoji="1" lang="ja-JP" altLang="en-US"/>
           </a:p>
@@ -3620,16 +3620,15 @@
           </p:cNvPicPr>
           <p:nvPr/>
         </p:nvPicPr>
-        <p:blipFill>
+        <p:blipFill rotWithShape="1">
           <a:blip r:embed="rId2"/>
-          <a:stretch>
-            <a:fillRect/>
-          </a:stretch>
+          <a:srcRect l="18654" t="5776" r="44089" b="66955"/>
+          <a:stretch/>
         </p:blipFill>
         <p:spPr>
           <a:xfrm>
-            <a:off x="1794096" y="2029066"/>
-            <a:ext cx="6295736" cy="3644900"/>
+            <a:off x="2968486" y="2239616"/>
+            <a:ext cx="2345635" cy="993913"/>
           </a:xfrm>
           <a:prstGeom prst="rect">
             <a:avLst/>
@@ -4667,140 +4666,118 @@
           </a:p>
         </p:txBody>
       </p:sp>
-      <p:grpSp>
-        <p:nvGrpSpPr>
-          <p:cNvPr id="6" name="グループ化 5">
-            <a:extLst>
-              <a:ext uri="{FF2B5EF4-FFF2-40B4-BE49-F238E27FC236}">
-                <a16:creationId xmlns:a16="http://schemas.microsoft.com/office/drawing/2014/main" id="{5FC9E81A-C2E1-3D48-B51E-8DE2A99AC8EA}"/>
-              </a:ext>
-            </a:extLst>
-          </p:cNvPr>
-          <p:cNvGrpSpPr/>
+      <p:pic>
+        <p:nvPicPr>
+          <p:cNvPr id="4" name="図 3">
+            <a:extLst>
+              <a:ext uri="{FF2B5EF4-FFF2-40B4-BE49-F238E27FC236}">
+                <a16:creationId xmlns:a16="http://schemas.microsoft.com/office/drawing/2014/main" id="{B88EBF72-0C94-9748-A668-8E1844E5123B}"/>
+              </a:ext>
+            </a:extLst>
+          </p:cNvPr>
+          <p:cNvPicPr>
+            <a:picLocks noChangeAspect="1"/>
+          </p:cNvPicPr>
           <p:nvPr/>
-        </p:nvGrpSpPr>
-        <p:grpSpPr>
+        </p:nvPicPr>
+        <p:blipFill rotWithShape="1">
+          <a:blip r:embed="rId2"/>
+          <a:srcRect r="44826" b="50384"/>
+          <a:stretch/>
+        </p:blipFill>
+        <p:spPr>
           <a:xfrm>
             <a:off x="3022600" y="2133600"/>
-            <a:ext cx="6146800" cy="2590800"/>
-            <a:chOff x="3022600" y="2133600"/>
-            <a:chExt cx="6146800" cy="2590800"/>
+            <a:ext cx="3391452" cy="1285461"/>
           </a:xfrm>
-        </p:grpSpPr>
-        <p:pic>
-          <p:nvPicPr>
-            <p:cNvPr id="4" name="図 3">
-              <a:extLst>
-                <a:ext uri="{FF2B5EF4-FFF2-40B4-BE49-F238E27FC236}">
-                  <a16:creationId xmlns:a16="http://schemas.microsoft.com/office/drawing/2014/main" id="{B88EBF72-0C94-9748-A668-8E1844E5123B}"/>
-                </a:ext>
-              </a:extLst>
-            </p:cNvPr>
-            <p:cNvPicPr>
-              <a:picLocks noChangeAspect="1"/>
-            </p:cNvPicPr>
-            <p:nvPr/>
-          </p:nvPicPr>
-          <p:blipFill>
-            <a:blip r:embed="rId2"/>
-            <a:stretch>
-              <a:fillRect/>
-            </a:stretch>
-          </p:blipFill>
-          <p:spPr>
-            <a:xfrm>
-              <a:off x="3022600" y="2133600"/>
-              <a:ext cx="6146800" cy="2590800"/>
-            </a:xfrm>
-            <a:prstGeom prst="rect">
+          <a:prstGeom prst="rect">
+            <a:avLst/>
+          </a:prstGeom>
+        </p:spPr>
+      </p:pic>
+      <p:sp>
+        <p:nvSpPr>
+          <p:cNvPr id="5" name="正方形/長方形 4">
+            <a:extLst>
+              <a:ext uri="{FF2B5EF4-FFF2-40B4-BE49-F238E27FC236}">
+                <a16:creationId xmlns:a16="http://schemas.microsoft.com/office/drawing/2014/main" id="{30DE6CE0-3448-3844-951A-8B2961BA40AF}"/>
+              </a:ext>
+            </a:extLst>
+          </p:cNvPr>
+          <p:cNvSpPr/>
+          <p:nvPr/>
+        </p:nvSpPr>
+        <p:spPr bwMode="auto">
+          <a:xfrm>
+            <a:off x="4399511" y="2368565"/>
+            <a:ext cx="404501" cy="265454"/>
+          </a:xfrm>
+          <a:prstGeom prst="rect">
+            <a:avLst/>
+          </a:prstGeom>
+          <a:noFill/>
+          <a:ln w="25400">
+            <a:solidFill>
+              <a:srgbClr val="FF2600"/>
+            </a:solidFill>
+            <a:headEnd type="none" w="med" len="med"/>
+            <a:tailEnd type="none" w="med" len="med"/>
+          </a:ln>
+          <a:effectLst/>
+        </p:spPr>
+        <p:style>
+          <a:lnRef idx="1">
+            <a:schemeClr val="accent2"/>
+          </a:lnRef>
+          <a:fillRef idx="3">
+            <a:schemeClr val="accent2"/>
+          </a:fillRef>
+          <a:effectRef idx="2">
+            <a:schemeClr val="accent2"/>
+          </a:effectRef>
+          <a:fontRef idx="minor">
+            <a:schemeClr val="lt1"/>
+          </a:fontRef>
+        </p:style>
+        <p:txBody>
+          <a:bodyPr rot="0" spcFirstLastPara="0" vertOverflow="overflow" horzOverflow="overflow" vert="horz" wrap="none" lIns="182880" tIns="146304" rIns="182880" bIns="146304" numCol="1" spcCol="0" rtlCol="0" fromWordArt="0" anchor="ctr" anchorCtr="0" forceAA="0" compatLnSpc="1">
+            <a:prstTxWarp prst="textNoShape">
               <a:avLst/>
-            </a:prstGeom>
-          </p:spPr>
-        </p:pic>
-        <p:sp>
-          <p:nvSpPr>
-            <p:cNvPr id="5" name="正方形/長方形 4">
-              <a:extLst>
-                <a:ext uri="{FF2B5EF4-FFF2-40B4-BE49-F238E27FC236}">
-                  <a16:creationId xmlns:a16="http://schemas.microsoft.com/office/drawing/2014/main" id="{30DE6CE0-3448-3844-951A-8B2961BA40AF}"/>
-                </a:ext>
-              </a:extLst>
-            </p:cNvPr>
-            <p:cNvSpPr/>
-            <p:nvPr/>
-          </p:nvSpPr>
-          <p:spPr bwMode="auto">
-            <a:xfrm>
-              <a:off x="4399511" y="2368565"/>
-              <a:ext cx="404501" cy="265454"/>
-            </a:xfrm>
-            <a:prstGeom prst="rect">
-              <a:avLst/>
-            </a:prstGeom>
-            <a:noFill/>
-            <a:ln w="25400">
-              <a:solidFill>
-                <a:srgbClr val="FF2600"/>
-              </a:solidFill>
-              <a:headEnd type="none" w="med" len="med"/>
-              <a:tailEnd type="none" w="med" len="med"/>
-            </a:ln>
-            <a:effectLst/>
-          </p:spPr>
-          <p:style>
-            <a:lnRef idx="1">
-              <a:schemeClr val="accent2"/>
-            </a:lnRef>
-            <a:fillRef idx="3">
-              <a:schemeClr val="accent2"/>
-            </a:fillRef>
-            <a:effectRef idx="2">
-              <a:schemeClr val="accent2"/>
-            </a:effectRef>
-            <a:fontRef idx="minor">
-              <a:schemeClr val="lt1"/>
-            </a:fontRef>
-          </p:style>
-          <p:txBody>
-            <a:bodyPr rot="0" spcFirstLastPara="0" vertOverflow="overflow" horzOverflow="overflow" vert="horz" wrap="none" lIns="182880" tIns="146304" rIns="182880" bIns="146304" numCol="1" spcCol="0" rtlCol="0" fromWordArt="0" anchor="ctr" anchorCtr="0" forceAA="0" compatLnSpc="1">
-              <a:prstTxWarp prst="textNoShape">
-                <a:avLst/>
-              </a:prstTxWarp>
-              <a:noAutofit/>
-            </a:bodyPr>
-            <a:lstStyle/>
-            <a:p>
-              <a:pPr algn="ctr" defTabSz="932472" fontAlgn="base">
-                <a:lnSpc>
-                  <a:spcPct val="90000"/>
-                </a:lnSpc>
-                <a:spcBef>
-                  <a:spcPct val="0"/>
-                </a:spcBef>
-                <a:spcAft>
-                  <a:spcPct val="0"/>
-                </a:spcAft>
-              </a:pPr>
-              <a:endParaRPr kumimoji="1" lang="ja-JP" altLang="en-US" sz="900" dirty="0" err="1">
-                <a:gradFill>
-                  <a:gsLst>
-                    <a:gs pos="0">
-                      <a:srgbClr val="FFFFFF"/>
-                    </a:gs>
-                    <a:gs pos="100000">
-                      <a:srgbClr val="FFFFFF"/>
-                    </a:gs>
-                  </a:gsLst>
-                  <a:lin ang="5400000" scaled="0"/>
-                </a:gradFill>
-                <a:latin typeface="+mj-ea"/>
-                <a:ea typeface="+mj-ea"/>
-                <a:cs typeface="Segoe UI" pitchFamily="34" charset="0"/>
-              </a:endParaRPr>
-            </a:p>
-          </p:txBody>
-        </p:sp>
-      </p:grpSp>
+            </a:prstTxWarp>
+            <a:noAutofit/>
+          </a:bodyPr>
+          <a:lstStyle/>
+          <a:p>
+            <a:pPr algn="ctr" defTabSz="932472" fontAlgn="base">
+              <a:lnSpc>
+                <a:spcPct val="90000"/>
+              </a:lnSpc>
+              <a:spcBef>
+                <a:spcPct val="0"/>
+              </a:spcBef>
+              <a:spcAft>
+                <a:spcPct val="0"/>
+              </a:spcAft>
+            </a:pPr>
+            <a:endParaRPr kumimoji="1" lang="ja-JP" altLang="en-US" sz="900" dirty="0" err="1">
+              <a:gradFill>
+                <a:gsLst>
+                  <a:gs pos="0">
+                    <a:srgbClr val="FFFFFF"/>
+                  </a:gs>
+                  <a:gs pos="100000">
+                    <a:srgbClr val="FFFFFF"/>
+                  </a:gs>
+                </a:gsLst>
+                <a:lin ang="5400000" scaled="0"/>
+              </a:gradFill>
+              <a:latin typeface="+mj-ea"/>
+              <a:ea typeface="+mj-ea"/>
+              <a:cs typeface="Segoe UI" pitchFamily="34" charset="0"/>
+            </a:endParaRPr>
+          </a:p>
+        </p:txBody>
+      </p:sp>
     </p:spTree>
     <p:extLst>
       <p:ext uri="{BB962C8B-B14F-4D97-AF65-F5344CB8AC3E}">
@@ -6660,7 +6637,7 @@
         </p:nvSpPr>
         <p:spPr bwMode="auto">
           <a:xfrm>
-            <a:off x="4235737" y="5684972"/>
+            <a:off x="3546624" y="5684972"/>
             <a:ext cx="765049" cy="155389"/>
           </a:xfrm>
           <a:prstGeom prst="rect">
@@ -6812,16 +6789,15 @@
           </p:cNvPicPr>
           <p:nvPr/>
         </p:nvPicPr>
-        <p:blipFill>
+        <p:blipFill rotWithShape="1">
           <a:blip r:embed="rId2"/>
-          <a:stretch>
-            <a:fillRect/>
-          </a:stretch>
+          <a:srcRect l="24335" b="39162"/>
+          <a:stretch/>
         </p:blipFill>
         <p:spPr>
           <a:xfrm>
-            <a:off x="601060" y="2033357"/>
-            <a:ext cx="6134100" cy="3257945"/>
+            <a:off x="2093842" y="2033358"/>
+            <a:ext cx="4641317" cy="1982052"/>
           </a:xfrm>
           <a:prstGeom prst="rect">
             <a:avLst/>

--- a/iot-basic/images/iothub.pptx
+++ b/iot-basic/images/iothub.pptx
@@ -290,7 +290,7 @@
           <a:p>
             <a:fld id="{423E73C1-A55A-E744-B6CD-C2F9DA663573}" type="datetimeFigureOut">
               <a:rPr kumimoji="1" lang="ja-JP" altLang="en-US" smtClean="0"/>
-              <a:t>2018/9/19</a:t>
+              <a:t>2018/10/22</a:t>
             </a:fld>
             <a:endParaRPr kumimoji="1" lang="ja-JP" altLang="en-US"/>
           </a:p>
@@ -495,7 +495,7 @@
           <a:p>
             <a:fld id="{423E73C1-A55A-E744-B6CD-C2F9DA663573}" type="datetimeFigureOut">
               <a:rPr kumimoji="1" lang="ja-JP" altLang="en-US" smtClean="0"/>
-              <a:t>2018/9/19</a:t>
+              <a:t>2018/10/22</a:t>
             </a:fld>
             <a:endParaRPr kumimoji="1" lang="ja-JP" altLang="en-US"/>
           </a:p>
@@ -710,7 +710,7 @@
           <a:p>
             <a:fld id="{423E73C1-A55A-E744-B6CD-C2F9DA663573}" type="datetimeFigureOut">
               <a:rPr kumimoji="1" lang="ja-JP" altLang="en-US" smtClean="0"/>
-              <a:t>2018/9/19</a:t>
+              <a:t>2018/10/22</a:t>
             </a:fld>
             <a:endParaRPr kumimoji="1" lang="ja-JP" altLang="en-US"/>
           </a:p>
@@ -915,7 +915,7 @@
           <a:p>
             <a:fld id="{423E73C1-A55A-E744-B6CD-C2F9DA663573}" type="datetimeFigureOut">
               <a:rPr kumimoji="1" lang="ja-JP" altLang="en-US" smtClean="0"/>
-              <a:t>2018/9/19</a:t>
+              <a:t>2018/10/22</a:t>
             </a:fld>
             <a:endParaRPr kumimoji="1" lang="ja-JP" altLang="en-US"/>
           </a:p>
@@ -1225,7 +1225,7 @@
           <a:p>
             <a:fld id="{423E73C1-A55A-E744-B6CD-C2F9DA663573}" type="datetimeFigureOut">
               <a:rPr kumimoji="1" lang="ja-JP" altLang="en-US" smtClean="0"/>
-              <a:t>2018/9/19</a:t>
+              <a:t>2018/10/22</a:t>
             </a:fld>
             <a:endParaRPr kumimoji="1" lang="ja-JP" altLang="en-US"/>
           </a:p>
@@ -1504,7 +1504,7 @@
           <a:p>
             <a:fld id="{423E73C1-A55A-E744-B6CD-C2F9DA663573}" type="datetimeFigureOut">
               <a:rPr kumimoji="1" lang="ja-JP" altLang="en-US" smtClean="0"/>
-              <a:t>2018/9/19</a:t>
+              <a:t>2018/10/22</a:t>
             </a:fld>
             <a:endParaRPr kumimoji="1" lang="ja-JP" altLang="en-US"/>
           </a:p>
@@ -2000,7 +2000,7 @@
           <a:p>
             <a:fld id="{423E73C1-A55A-E744-B6CD-C2F9DA663573}" type="datetimeFigureOut">
               <a:rPr kumimoji="1" lang="ja-JP" altLang="en-US" smtClean="0"/>
-              <a:t>2018/9/19</a:t>
+              <a:t>2018/10/22</a:t>
             </a:fld>
             <a:endParaRPr kumimoji="1" lang="ja-JP" altLang="en-US"/>
           </a:p>
@@ -2152,7 +2152,7 @@
           <a:p>
             <a:fld id="{423E73C1-A55A-E744-B6CD-C2F9DA663573}" type="datetimeFigureOut">
               <a:rPr kumimoji="1" lang="ja-JP" altLang="en-US" smtClean="0"/>
-              <a:t>2018/9/19</a:t>
+              <a:t>2018/10/22</a:t>
             </a:fld>
             <a:endParaRPr kumimoji="1" lang="ja-JP" altLang="en-US"/>
           </a:p>
@@ -2265,7 +2265,7 @@
           <a:p>
             <a:fld id="{423E73C1-A55A-E744-B6CD-C2F9DA663573}" type="datetimeFigureOut">
               <a:rPr kumimoji="1" lang="ja-JP" altLang="en-US" smtClean="0"/>
-              <a:t>2018/9/19</a:t>
+              <a:t>2018/10/22</a:t>
             </a:fld>
             <a:endParaRPr kumimoji="1" lang="ja-JP" altLang="en-US"/>
           </a:p>
@@ -2618,7 +2618,7 @@
           <a:p>
             <a:fld id="{423E73C1-A55A-E744-B6CD-C2F9DA663573}" type="datetimeFigureOut">
               <a:rPr kumimoji="1" lang="ja-JP" altLang="en-US" smtClean="0"/>
-              <a:t>2018/9/19</a:t>
+              <a:t>2018/10/22</a:t>
             </a:fld>
             <a:endParaRPr kumimoji="1" lang="ja-JP" altLang="en-US"/>
           </a:p>
@@ -2941,7 +2941,7 @@
           <a:p>
             <a:fld id="{423E73C1-A55A-E744-B6CD-C2F9DA663573}" type="datetimeFigureOut">
               <a:rPr kumimoji="1" lang="ja-JP" altLang="en-US" smtClean="0"/>
-              <a:t>2018/9/19</a:t>
+              <a:t>2018/10/22</a:t>
             </a:fld>
             <a:endParaRPr kumimoji="1" lang="ja-JP" altLang="en-US"/>
           </a:p>
@@ -3189,7 +3189,7 @@
           <a:p>
             <a:fld id="{423E73C1-A55A-E744-B6CD-C2F9DA663573}" type="datetimeFigureOut">
               <a:rPr kumimoji="1" lang="ja-JP" altLang="en-US" smtClean="0"/>
-              <a:t>2018/9/19</a:t>
+              <a:t>2018/10/22</a:t>
             </a:fld>
             <a:endParaRPr kumimoji="1" lang="ja-JP" altLang="en-US"/>
           </a:p>
@@ -3774,7 +3774,7 @@
 </file>
 
 <file path=ppt/slides/slide10.xml><?xml version="1.0" encoding="utf-8"?>
-<p:sld xmlns:a="http://schemas.openxmlformats.org/drawingml/2006/main" xmlns:r="http://schemas.openxmlformats.org/officeDocument/2006/relationships" xmlns:p="http://schemas.openxmlformats.org/presentationml/2006/main">
+<p:sld xmlns:a="http://schemas.openxmlformats.org/drawingml/2006/main" xmlns:r="http://schemas.openxmlformats.org/officeDocument/2006/relationships" xmlns:p="http://schemas.openxmlformats.org/presentationml/2006/main" show="0">
   <p:cSld>
     <p:spTree>
       <p:nvGrpSpPr>
@@ -4465,10 +4465,10 @@
       </p:sp>
       <p:grpSp>
         <p:nvGrpSpPr>
-          <p:cNvPr id="6" name="グループ化 5">
-            <a:extLst>
-              <a:ext uri="{FF2B5EF4-FFF2-40B4-BE49-F238E27FC236}">
-                <a16:creationId xmlns:a16="http://schemas.microsoft.com/office/drawing/2014/main" id="{20D4E49D-6116-114F-B29D-83129519B441}"/>
+          <p:cNvPr id="9" name="グループ化 8">
+            <a:extLst>
+              <a:ext uri="{FF2B5EF4-FFF2-40B4-BE49-F238E27FC236}">
+                <a16:creationId xmlns:a16="http://schemas.microsoft.com/office/drawing/2014/main" id="{9C631C9D-CF81-C34F-BCDB-EE8FBB4C5A09}"/>
               </a:ext>
             </a:extLst>
           </p:cNvPr>
@@ -4477,18 +4477,18 @@
         </p:nvGrpSpPr>
         <p:grpSpPr>
           <a:xfrm>
-            <a:off x="4243790" y="1903578"/>
-            <a:ext cx="1384301" cy="3924300"/>
-            <a:chOff x="4243790" y="1903578"/>
-            <a:chExt cx="1384301" cy="3924300"/>
+            <a:off x="1349829" y="1098035"/>
+            <a:ext cx="1469571" cy="3847810"/>
+            <a:chOff x="6096000" y="1903578"/>
+            <a:chExt cx="1469571" cy="3847810"/>
           </a:xfrm>
         </p:grpSpPr>
         <p:pic>
           <p:nvPicPr>
-            <p:cNvPr id="4" name="図 3">
+            <p:cNvPr id="7" name="図 6">
               <a:extLst>
                 <a:ext uri="{FF2B5EF4-FFF2-40B4-BE49-F238E27FC236}">
-                  <a16:creationId xmlns:a16="http://schemas.microsoft.com/office/drawing/2014/main" id="{9A10F9A7-3440-C64B-94BE-BA76D752F012}"/>
+                  <a16:creationId xmlns:a16="http://schemas.microsoft.com/office/drawing/2014/main" id="{16978FD8-59B0-AE49-A5CD-21E28BE77629}"/>
                 </a:ext>
               </a:extLst>
             </p:cNvPr>
@@ -4498,27 +4498,38 @@
             <p:nvPr/>
           </p:nvPicPr>
           <p:blipFill>
-            <a:blip r:embed="rId2"/>
+            <a:blip r:embed="rId2" cstate="print">
+              <a:extLst>
+                <a:ext uri="{28A0092B-C50C-407E-A947-70E740481C1C}">
+                  <a14:useLocalDpi xmlns:a14="http://schemas.microsoft.com/office/drawing/2010/main"/>
+                </a:ext>
+              </a:extLst>
+            </a:blip>
             <a:stretch>
               <a:fillRect/>
             </a:stretch>
           </p:blipFill>
           <p:spPr>
             <a:xfrm>
-              <a:off x="4243790" y="1903578"/>
-              <a:ext cx="1384300" cy="3924300"/>
+              <a:off x="6096000" y="1903578"/>
+              <a:ext cx="1469571" cy="3847810"/>
             </a:xfrm>
             <a:prstGeom prst="rect">
               <a:avLst/>
             </a:prstGeom>
+            <a:ln>
+              <a:solidFill>
+                <a:schemeClr val="tx1"/>
+              </a:solidFill>
+            </a:ln>
           </p:spPr>
         </p:pic>
         <p:sp>
           <p:nvSpPr>
-            <p:cNvPr id="5" name="正方形/長方形 4">
+            <p:cNvPr id="8" name="正方形/長方形 7">
               <a:extLst>
                 <a:ext uri="{FF2B5EF4-FFF2-40B4-BE49-F238E27FC236}">
-                  <a16:creationId xmlns:a16="http://schemas.microsoft.com/office/drawing/2014/main" id="{DBC2B576-8DC3-A54B-9F5F-6B9B1A5E39C9}"/>
+                  <a16:creationId xmlns:a16="http://schemas.microsoft.com/office/drawing/2014/main" id="{A5FA503C-BF36-E24D-B17E-B75D2A50CC7A}"/>
                 </a:ext>
               </a:extLst>
             </p:cNvPr>
@@ -4527,8 +4538,8 @@
           </p:nvSpPr>
           <p:spPr bwMode="auto">
             <a:xfrm>
-              <a:off x="4243791" y="5049672"/>
-              <a:ext cx="1384300" cy="182814"/>
+              <a:off x="6181271" y="5584371"/>
+              <a:ext cx="1057729" cy="165718"/>
             </a:xfrm>
             <a:prstGeom prst="rect">
               <a:avLst/>
@@ -4849,10 +4860,10 @@
       </p:sp>
       <p:grpSp>
         <p:nvGrpSpPr>
-          <p:cNvPr id="3" name="グループ化 2">
-            <a:extLst>
-              <a:ext uri="{FF2B5EF4-FFF2-40B4-BE49-F238E27FC236}">
-                <a16:creationId xmlns:a16="http://schemas.microsoft.com/office/drawing/2014/main" id="{87B5FF36-8171-7C48-AE20-A7D1ACF2ECFA}"/>
+          <p:cNvPr id="12" name="グループ化 11">
+            <a:extLst>
+              <a:ext uri="{FF2B5EF4-FFF2-40B4-BE49-F238E27FC236}">
+                <a16:creationId xmlns:a16="http://schemas.microsoft.com/office/drawing/2014/main" id="{F40B9523-FF79-E148-80CF-DCB318731C85}"/>
               </a:ext>
             </a:extLst>
           </p:cNvPr>
@@ -4861,18 +4872,18 @@
         </p:nvGrpSpPr>
         <p:grpSpPr>
           <a:xfrm>
-            <a:off x="4896893" y="1490449"/>
-            <a:ext cx="1879600" cy="3160682"/>
-            <a:chOff x="4896893" y="1490449"/>
-            <a:chExt cx="1879600" cy="3160682"/>
+            <a:off x="1270928" y="1490449"/>
+            <a:ext cx="2532734" cy="3429001"/>
+            <a:chOff x="1270928" y="1490449"/>
+            <a:chExt cx="2532734" cy="3429001"/>
           </a:xfrm>
         </p:grpSpPr>
         <p:pic>
           <p:nvPicPr>
-            <p:cNvPr id="4" name="図 3">
+            <p:cNvPr id="9" name="図 8">
               <a:extLst>
                 <a:ext uri="{FF2B5EF4-FFF2-40B4-BE49-F238E27FC236}">
-                  <a16:creationId xmlns:a16="http://schemas.microsoft.com/office/drawing/2014/main" id="{61A27061-6A0B-BD4D-ADBD-66DBB40B1C58}"/>
+                  <a16:creationId xmlns:a16="http://schemas.microsoft.com/office/drawing/2014/main" id="{F34AA700-A31F-F447-BFF8-FD554090E166}"/>
                 </a:ext>
               </a:extLst>
             </p:cNvPr>
@@ -4881,15 +4892,16 @@
             </p:cNvPicPr>
             <p:nvPr/>
           </p:nvPicPr>
-          <p:blipFill rotWithShape="1">
+          <p:blipFill>
             <a:blip r:embed="rId2"/>
-            <a:srcRect t="1" b="38091"/>
-            <a:stretch/>
+            <a:stretch>
+              <a:fillRect/>
+            </a:stretch>
           </p:blipFill>
           <p:spPr>
             <a:xfrm>
-              <a:off x="4896893" y="1490449"/>
-              <a:ext cx="1879600" cy="3160682"/>
+              <a:off x="1270928" y="1490449"/>
+              <a:ext cx="2532734" cy="3429001"/>
             </a:xfrm>
             <a:prstGeom prst="rect">
               <a:avLst/>
@@ -4903,10 +4915,10 @@
         </p:pic>
         <p:sp>
           <p:nvSpPr>
-            <p:cNvPr id="5" name="正方形/長方形 4">
+            <p:cNvPr id="10" name="正方形/長方形 9">
               <a:extLst>
                 <a:ext uri="{FF2B5EF4-FFF2-40B4-BE49-F238E27FC236}">
-                  <a16:creationId xmlns:a16="http://schemas.microsoft.com/office/drawing/2014/main" id="{E64EB8E2-72D3-8847-BF89-810DA8B54598}"/>
+                  <a16:creationId xmlns:a16="http://schemas.microsoft.com/office/drawing/2014/main" id="{4A5DC0A8-B3AA-B94A-8E50-76FFF05BA67C}"/>
                 </a:ext>
               </a:extLst>
             </p:cNvPr>
@@ -4915,8 +4927,8 @@
           </p:nvSpPr>
           <p:spPr bwMode="auto">
             <a:xfrm>
-              <a:off x="4896893" y="2272989"/>
-              <a:ext cx="1879600" cy="306438"/>
+              <a:off x="1270928" y="2119770"/>
+              <a:ext cx="2532734" cy="306438"/>
             </a:xfrm>
             <a:prstGeom prst="rect">
               <a:avLst/>
@@ -4984,44 +4996,12 @@
             </a:p>
           </p:txBody>
         </p:sp>
-        <p:pic>
-          <p:nvPicPr>
-            <p:cNvPr id="8" name="図 7">
+        <p:sp>
+          <p:nvSpPr>
+            <p:cNvPr id="11" name="正方形/長方形 10">
               <a:extLst>
                 <a:ext uri="{FF2B5EF4-FFF2-40B4-BE49-F238E27FC236}">
-                  <a16:creationId xmlns:a16="http://schemas.microsoft.com/office/drawing/2014/main" id="{1FF0EBB7-6386-624C-9735-DFB96301CDA8}"/>
-                </a:ext>
-              </a:extLst>
-            </p:cNvPr>
-            <p:cNvPicPr>
-              <a:picLocks noChangeAspect="1"/>
-            </p:cNvPicPr>
-            <p:nvPr/>
-          </p:nvPicPr>
-          <p:blipFill rotWithShape="1">
-            <a:blip r:embed="rId2"/>
-            <a:srcRect l="4190" t="93628" r="7297" b="47"/>
-            <a:stretch/>
-          </p:blipFill>
-          <p:spPr>
-            <a:xfrm>
-              <a:off x="4975651" y="4262296"/>
-              <a:ext cx="1663687" cy="322956"/>
-            </a:xfrm>
-            <a:prstGeom prst="rect">
-              <a:avLst/>
-            </a:prstGeom>
-            <a:ln>
-              <a:noFill/>
-            </a:ln>
-          </p:spPr>
-        </p:pic>
-        <p:sp>
-          <p:nvSpPr>
-            <p:cNvPr id="6" name="正方形/長方形 5">
-              <a:extLst>
-                <a:ext uri="{FF2B5EF4-FFF2-40B4-BE49-F238E27FC236}">
-                  <a16:creationId xmlns:a16="http://schemas.microsoft.com/office/drawing/2014/main" id="{C21160D5-92D0-374D-B51C-932A445F633D}"/>
+                  <a16:creationId xmlns:a16="http://schemas.microsoft.com/office/drawing/2014/main" id="{8AA0DA36-E8EA-594C-9F7A-FB54C1E7A637}"/>
                 </a:ext>
               </a:extLst>
             </p:cNvPr>
@@ -5030,8 +5010,8 @@
           </p:nvSpPr>
           <p:spPr bwMode="auto">
             <a:xfrm>
-              <a:off x="4975651" y="4306256"/>
-              <a:ext cx="491698" cy="193276"/>
+              <a:off x="1270928" y="4735285"/>
+              <a:ext cx="470786" cy="164345"/>
             </a:xfrm>
             <a:prstGeom prst="rect">
               <a:avLst/>
@@ -5171,10 +5151,10 @@
       </p:sp>
       <p:grpSp>
         <p:nvGrpSpPr>
-          <p:cNvPr id="6" name="グループ化 5">
-            <a:extLst>
-              <a:ext uri="{FF2B5EF4-FFF2-40B4-BE49-F238E27FC236}">
-                <a16:creationId xmlns:a16="http://schemas.microsoft.com/office/drawing/2014/main" id="{26BA04AC-2BDC-B44C-9384-7DE7DCBCDF9D}"/>
+          <p:cNvPr id="9" name="グループ化 8">
+            <a:extLst>
+              <a:ext uri="{FF2B5EF4-FFF2-40B4-BE49-F238E27FC236}">
+                <a16:creationId xmlns:a16="http://schemas.microsoft.com/office/drawing/2014/main" id="{DDD431DB-FC6A-ED49-BA75-CD59FB697FB2}"/>
               </a:ext>
             </a:extLst>
           </p:cNvPr>
@@ -5183,18 +5163,18 @@
         </p:nvGrpSpPr>
         <p:grpSpPr>
           <a:xfrm>
-            <a:off x="3035300" y="2101850"/>
-            <a:ext cx="6121400" cy="2654300"/>
-            <a:chOff x="3035300" y="2101850"/>
-            <a:chExt cx="6121400" cy="2654300"/>
+            <a:off x="480786" y="871305"/>
+            <a:ext cx="5615214" cy="2800809"/>
+            <a:chOff x="480786" y="871305"/>
+            <a:chExt cx="5615214" cy="2800809"/>
           </a:xfrm>
         </p:grpSpPr>
         <p:pic>
           <p:nvPicPr>
-            <p:cNvPr id="4" name="図 3">
+            <p:cNvPr id="7" name="図 6">
               <a:extLst>
                 <a:ext uri="{FF2B5EF4-FFF2-40B4-BE49-F238E27FC236}">
-                  <a16:creationId xmlns:a16="http://schemas.microsoft.com/office/drawing/2014/main" id="{EEF6B2BD-B7BA-ED42-8A7F-0A1A329F4A66}"/>
+                  <a16:creationId xmlns:a16="http://schemas.microsoft.com/office/drawing/2014/main" id="{FE6BD4DD-94CF-D646-9658-AA7EFB60F280}"/>
                 </a:ext>
               </a:extLst>
             </p:cNvPr>
@@ -5211,20 +5191,25 @@
           </p:blipFill>
           <p:spPr>
             <a:xfrm>
-              <a:off x="3035300" y="2101850"/>
-              <a:ext cx="6121400" cy="2654300"/>
+              <a:off x="480786" y="871305"/>
+              <a:ext cx="5615214" cy="2800809"/>
             </a:xfrm>
             <a:prstGeom prst="rect">
               <a:avLst/>
             </a:prstGeom>
+            <a:ln>
+              <a:solidFill>
+                <a:schemeClr val="tx1"/>
+              </a:solidFill>
+            </a:ln>
           </p:spPr>
         </p:pic>
         <p:sp>
           <p:nvSpPr>
-            <p:cNvPr id="5" name="正方形/長方形 4">
+            <p:cNvPr id="8" name="正方形/長方形 7">
               <a:extLst>
                 <a:ext uri="{FF2B5EF4-FFF2-40B4-BE49-F238E27FC236}">
-                  <a16:creationId xmlns:a16="http://schemas.microsoft.com/office/drawing/2014/main" id="{EE291BF7-2190-6C4B-A5CF-B442EDC9BC25}"/>
+                  <a16:creationId xmlns:a16="http://schemas.microsoft.com/office/drawing/2014/main" id="{C49E7E96-6123-0A42-B254-789E1FD9A803}"/>
                 </a:ext>
               </a:extLst>
             </p:cNvPr>
@@ -5233,8 +5218,8 @@
           </p:nvSpPr>
           <p:spPr bwMode="auto">
             <a:xfrm>
-              <a:off x="4471890" y="4204820"/>
-              <a:ext cx="4556200" cy="431574"/>
+              <a:off x="2388886" y="3127606"/>
+              <a:ext cx="3522057" cy="431574"/>
             </a:xfrm>
             <a:prstGeom prst="rect">
               <a:avLst/>
@@ -5372,119 +5357,151 @@
           </a:p>
         </p:txBody>
       </p:sp>
-      <p:pic>
-        <p:nvPicPr>
-          <p:cNvPr id="4" name="図 3">
-            <a:extLst>
-              <a:ext uri="{FF2B5EF4-FFF2-40B4-BE49-F238E27FC236}">
-                <a16:creationId xmlns:a16="http://schemas.microsoft.com/office/drawing/2014/main" id="{D934E6E2-39A6-8C41-BA6E-736DAB1DE4A0}"/>
-              </a:ext>
-            </a:extLst>
-          </p:cNvPr>
-          <p:cNvPicPr>
-            <a:picLocks noChangeAspect="1"/>
-          </p:cNvPicPr>
+      <p:grpSp>
+        <p:nvGrpSpPr>
+          <p:cNvPr id="6" name="グループ化 5">
+            <a:extLst>
+              <a:ext uri="{FF2B5EF4-FFF2-40B4-BE49-F238E27FC236}">
+                <a16:creationId xmlns:a16="http://schemas.microsoft.com/office/drawing/2014/main" id="{F23AC436-7D87-1344-B120-028D29CDB998}"/>
+              </a:ext>
+            </a:extLst>
+          </p:cNvPr>
+          <p:cNvGrpSpPr/>
           <p:nvPr/>
-        </p:nvPicPr>
-        <p:blipFill>
-          <a:blip r:embed="rId2"/>
-          <a:stretch>
-            <a:fillRect/>
-          </a:stretch>
-        </p:blipFill>
-        <p:spPr>
+        </p:nvGrpSpPr>
+        <p:grpSpPr>
           <a:xfrm>
-            <a:off x="3036876" y="1682750"/>
-            <a:ext cx="6118248" cy="3492500"/>
+            <a:off x="678822" y="1682750"/>
+            <a:ext cx="4712953" cy="4405957"/>
+            <a:chOff x="678822" y="1682750"/>
+            <a:chExt cx="4712953" cy="4405957"/>
           </a:xfrm>
-          <a:prstGeom prst="rect">
-            <a:avLst/>
-          </a:prstGeom>
-        </p:spPr>
-      </p:pic>
-      <p:sp>
-        <p:nvSpPr>
-          <p:cNvPr id="10" name="正方形/長方形 9">
-            <a:extLst>
-              <a:ext uri="{FF2B5EF4-FFF2-40B4-BE49-F238E27FC236}">
-                <a16:creationId xmlns:a16="http://schemas.microsoft.com/office/drawing/2014/main" id="{EAE895E1-3565-8146-8380-31B098B36722}"/>
-              </a:ext>
-            </a:extLst>
-          </p:cNvPr>
-          <p:cNvSpPr/>
-          <p:nvPr/>
-        </p:nvSpPr>
-        <p:spPr bwMode="auto">
-          <a:xfrm>
-            <a:off x="3035299" y="3048211"/>
-            <a:ext cx="6059081" cy="306438"/>
-          </a:xfrm>
-          <a:prstGeom prst="rect">
-            <a:avLst/>
-          </a:prstGeom>
-          <a:noFill/>
-          <a:ln w="25400">
-            <a:solidFill>
-              <a:srgbClr val="FF2600"/>
-            </a:solidFill>
-            <a:headEnd type="none" w="med" len="med"/>
-            <a:tailEnd type="none" w="med" len="med"/>
-          </a:ln>
-          <a:effectLst/>
-        </p:spPr>
-        <p:style>
-          <a:lnRef idx="1">
-            <a:schemeClr val="accent2"/>
-          </a:lnRef>
-          <a:fillRef idx="3">
-            <a:schemeClr val="accent2"/>
-          </a:fillRef>
-          <a:effectRef idx="2">
-            <a:schemeClr val="accent2"/>
-          </a:effectRef>
-          <a:fontRef idx="minor">
-            <a:schemeClr val="lt1"/>
-          </a:fontRef>
-        </p:style>
-        <p:txBody>
-          <a:bodyPr rot="0" spcFirstLastPara="0" vertOverflow="overflow" horzOverflow="overflow" vert="horz" wrap="none" lIns="182880" tIns="146304" rIns="182880" bIns="146304" numCol="1" spcCol="0" rtlCol="0" fromWordArt="0" anchor="ctr" anchorCtr="0" forceAA="0" compatLnSpc="1">
-            <a:prstTxWarp prst="textNoShape">
+        </p:grpSpPr>
+        <p:pic>
+          <p:nvPicPr>
+            <p:cNvPr id="5" name="図 4">
+              <a:extLst>
+                <a:ext uri="{FF2B5EF4-FFF2-40B4-BE49-F238E27FC236}">
+                  <a16:creationId xmlns:a16="http://schemas.microsoft.com/office/drawing/2014/main" id="{DBBDBE11-BC89-814F-A8EB-51CE2702201F}"/>
+                </a:ext>
+              </a:extLst>
+            </p:cNvPr>
+            <p:cNvPicPr>
+              <a:picLocks noChangeAspect="1"/>
+            </p:cNvPicPr>
+            <p:nvPr/>
+          </p:nvPicPr>
+          <p:blipFill>
+            <a:blip r:embed="rId2" cstate="print">
+              <a:extLst>
+                <a:ext uri="{28A0092B-C50C-407E-A947-70E740481C1C}">
+                  <a14:useLocalDpi xmlns:a14="http://schemas.microsoft.com/office/drawing/2010/main"/>
+                </a:ext>
+              </a:extLst>
+            </a:blip>
+            <a:stretch>
+              <a:fillRect/>
+            </a:stretch>
+          </p:blipFill>
+          <p:spPr>
+            <a:xfrm>
+              <a:off x="678822" y="1682750"/>
+              <a:ext cx="4712953" cy="4405957"/>
+            </a:xfrm>
+            <a:prstGeom prst="rect">
               <a:avLst/>
-            </a:prstTxWarp>
-            <a:noAutofit/>
-          </a:bodyPr>
-          <a:lstStyle/>
-          <a:p>
-            <a:pPr algn="ctr" defTabSz="932472" fontAlgn="base">
-              <a:lnSpc>
-                <a:spcPct val="90000"/>
-              </a:lnSpc>
-              <a:spcBef>
-                <a:spcPct val="0"/>
-              </a:spcBef>
-              <a:spcAft>
-                <a:spcPct val="0"/>
-              </a:spcAft>
-            </a:pPr>
-            <a:endParaRPr kumimoji="1" lang="ja-JP" altLang="en-US" sz="900" dirty="0" err="1">
-              <a:gradFill>
-                <a:gsLst>
-                  <a:gs pos="0">
-                    <a:srgbClr val="FFFFFF"/>
-                  </a:gs>
-                  <a:gs pos="100000">
-                    <a:srgbClr val="FFFFFF"/>
-                  </a:gs>
-                </a:gsLst>
-                <a:lin ang="5400000" scaled="0"/>
-              </a:gradFill>
-              <a:latin typeface="+mj-ea"/>
-              <a:ea typeface="+mj-ea"/>
-              <a:cs typeface="Segoe UI" pitchFamily="34" charset="0"/>
-            </a:endParaRPr>
-          </a:p>
-        </p:txBody>
-      </p:sp>
+            </a:prstGeom>
+            <a:ln>
+              <a:solidFill>
+                <a:schemeClr val="tx1"/>
+              </a:solidFill>
+            </a:ln>
+          </p:spPr>
+        </p:pic>
+        <p:sp>
+          <p:nvSpPr>
+            <p:cNvPr id="7" name="正方形/長方形 6">
+              <a:extLst>
+                <a:ext uri="{FF2B5EF4-FFF2-40B4-BE49-F238E27FC236}">
+                  <a16:creationId xmlns:a16="http://schemas.microsoft.com/office/drawing/2014/main" id="{04C8F7F3-83E0-2E4A-8971-06F4E6EA0C34}"/>
+                </a:ext>
+              </a:extLst>
+            </p:cNvPr>
+            <p:cNvSpPr/>
+            <p:nvPr/>
+          </p:nvSpPr>
+          <p:spPr bwMode="auto">
+            <a:xfrm>
+              <a:off x="678822" y="3176173"/>
+              <a:ext cx="4633407" cy="306438"/>
+            </a:xfrm>
+            <a:prstGeom prst="rect">
+              <a:avLst/>
+            </a:prstGeom>
+            <a:noFill/>
+            <a:ln w="25400">
+              <a:solidFill>
+                <a:srgbClr val="FF2600"/>
+              </a:solidFill>
+              <a:headEnd type="none" w="med" len="med"/>
+              <a:tailEnd type="none" w="med" len="med"/>
+            </a:ln>
+            <a:effectLst/>
+          </p:spPr>
+          <p:style>
+            <a:lnRef idx="1">
+              <a:schemeClr val="accent2"/>
+            </a:lnRef>
+            <a:fillRef idx="3">
+              <a:schemeClr val="accent2"/>
+            </a:fillRef>
+            <a:effectRef idx="2">
+              <a:schemeClr val="accent2"/>
+            </a:effectRef>
+            <a:fontRef idx="minor">
+              <a:schemeClr val="lt1"/>
+            </a:fontRef>
+          </p:style>
+          <p:txBody>
+            <a:bodyPr rot="0" spcFirstLastPara="0" vertOverflow="overflow" horzOverflow="overflow" vert="horz" wrap="none" lIns="182880" tIns="146304" rIns="182880" bIns="146304" numCol="1" spcCol="0" rtlCol="0" fromWordArt="0" anchor="ctr" anchorCtr="0" forceAA="0" compatLnSpc="1">
+              <a:prstTxWarp prst="textNoShape">
+                <a:avLst/>
+              </a:prstTxWarp>
+              <a:noAutofit/>
+            </a:bodyPr>
+            <a:lstStyle/>
+            <a:p>
+              <a:pPr algn="ctr" defTabSz="932472" fontAlgn="base">
+                <a:lnSpc>
+                  <a:spcPct val="90000"/>
+                </a:lnSpc>
+                <a:spcBef>
+                  <a:spcPct val="0"/>
+                </a:spcBef>
+                <a:spcAft>
+                  <a:spcPct val="0"/>
+                </a:spcAft>
+              </a:pPr>
+              <a:endParaRPr kumimoji="1" lang="ja-JP" altLang="en-US" sz="900" dirty="0" err="1">
+                <a:gradFill>
+                  <a:gsLst>
+                    <a:gs pos="0">
+                      <a:srgbClr val="FFFFFF"/>
+                    </a:gs>
+                    <a:gs pos="100000">
+                      <a:srgbClr val="FFFFFF"/>
+                    </a:gs>
+                  </a:gsLst>
+                  <a:lin ang="5400000" scaled="0"/>
+                </a:gradFill>
+                <a:latin typeface="+mj-ea"/>
+                <a:ea typeface="+mj-ea"/>
+                <a:cs typeface="Segoe UI" pitchFamily="34" charset="0"/>
+              </a:endParaRPr>
+            </a:p>
+          </p:txBody>
+        </p:sp>
+      </p:grpSp>
     </p:spTree>
     <p:extLst>
       <p:ext uri="{BB962C8B-B14F-4D97-AF65-F5344CB8AC3E}">
@@ -5602,6 +5619,11 @@
             <a:prstGeom prst="rect">
               <a:avLst/>
             </a:prstGeom>
+            <a:ln>
+              <a:solidFill>
+                <a:schemeClr val="tx1"/>
+              </a:solidFill>
+            </a:ln>
           </p:spPr>
         </p:pic>
         <p:sp>
@@ -5805,6 +5827,11 @@
             <a:prstGeom prst="rect">
               <a:avLst/>
             </a:prstGeom>
+            <a:ln>
+              <a:solidFill>
+                <a:schemeClr val="tx1"/>
+              </a:solidFill>
+            </a:ln>
           </p:spPr>
         </p:pic>
         <p:sp>
@@ -5921,36 +5948,6 @@
           <a:chExt cx="0" cy="0"/>
         </a:xfrm>
       </p:grpSpPr>
-      <p:pic>
-        <p:nvPicPr>
-          <p:cNvPr id="3" name="図 2">
-            <a:extLst>
-              <a:ext uri="{FF2B5EF4-FFF2-40B4-BE49-F238E27FC236}">
-                <a16:creationId xmlns:a16="http://schemas.microsoft.com/office/drawing/2014/main" id="{7FEBEC23-D44D-F14D-A4BE-395C4CE5E0D9}"/>
-              </a:ext>
-            </a:extLst>
-          </p:cNvPr>
-          <p:cNvPicPr>
-            <a:picLocks noChangeAspect="1"/>
-          </p:cNvPicPr>
-          <p:nvPr/>
-        </p:nvPicPr>
-        <p:blipFill>
-          <a:blip r:embed="rId2"/>
-          <a:stretch>
-            <a:fillRect/>
-          </a:stretch>
-        </p:blipFill>
-        <p:spPr>
-          <a:xfrm>
-            <a:off x="3902452" y="2639232"/>
-            <a:ext cx="4356100" cy="1600200"/>
-          </a:xfrm>
-          <a:prstGeom prst="rect">
-            <a:avLst/>
-          </a:prstGeom>
-        </p:spPr>
-      </p:pic>
       <p:sp>
         <p:nvSpPr>
           <p:cNvPr id="4" name="タイトル 3">
@@ -5990,172 +5987,234 @@
           </a:p>
         </p:txBody>
       </p:sp>
-      <p:sp>
-        <p:nvSpPr>
-          <p:cNvPr id="5" name="正方形/長方形 4">
-            <a:extLst>
-              <a:ext uri="{FF2B5EF4-FFF2-40B4-BE49-F238E27FC236}">
-                <a16:creationId xmlns:a16="http://schemas.microsoft.com/office/drawing/2014/main" id="{F9A80A38-5991-F94C-B987-4678AF8B3EB5}"/>
-              </a:ext>
-            </a:extLst>
-          </p:cNvPr>
-          <p:cNvSpPr/>
+      <p:grpSp>
+        <p:nvGrpSpPr>
+          <p:cNvPr id="8" name="グループ化 7">
+            <a:extLst>
+              <a:ext uri="{FF2B5EF4-FFF2-40B4-BE49-F238E27FC236}">
+                <a16:creationId xmlns:a16="http://schemas.microsoft.com/office/drawing/2014/main" id="{C9B884EE-BEE8-1945-A13D-A7C545FBFB68}"/>
+              </a:ext>
+            </a:extLst>
+          </p:cNvPr>
+          <p:cNvGrpSpPr/>
           <p:nvPr/>
-        </p:nvSpPr>
-        <p:spPr bwMode="auto">
+        </p:nvGrpSpPr>
+        <p:grpSpPr>
           <a:xfrm>
-            <a:off x="3998563" y="3146156"/>
-            <a:ext cx="4163878" cy="201478"/>
+            <a:off x="4026507" y="2837312"/>
+            <a:ext cx="4300212" cy="1600200"/>
+            <a:chOff x="4026507" y="2837312"/>
+            <a:chExt cx="4300212" cy="1600200"/>
           </a:xfrm>
-          <a:prstGeom prst="rect">
-            <a:avLst/>
-          </a:prstGeom>
-          <a:noFill/>
-          <a:ln w="25400">
-            <a:solidFill>
-              <a:srgbClr val="FF2600"/>
-            </a:solidFill>
-            <a:headEnd type="none" w="med" len="med"/>
-            <a:tailEnd type="none" w="med" len="med"/>
-          </a:ln>
-          <a:effectLst/>
-        </p:spPr>
-        <p:style>
-          <a:lnRef idx="1">
-            <a:schemeClr val="accent2"/>
-          </a:lnRef>
-          <a:fillRef idx="3">
-            <a:schemeClr val="accent2"/>
-          </a:fillRef>
-          <a:effectRef idx="2">
-            <a:schemeClr val="accent2"/>
-          </a:effectRef>
-          <a:fontRef idx="minor">
-            <a:schemeClr val="lt1"/>
-          </a:fontRef>
-        </p:style>
-        <p:txBody>
-          <a:bodyPr rot="0" spcFirstLastPara="0" vertOverflow="overflow" horzOverflow="overflow" vert="horz" wrap="none" lIns="182880" tIns="146304" rIns="182880" bIns="146304" numCol="1" spcCol="0" rtlCol="0" fromWordArt="0" anchor="ctr" anchorCtr="0" forceAA="0" compatLnSpc="1">
-            <a:prstTxWarp prst="textNoShape">
+        </p:grpSpPr>
+        <p:pic>
+          <p:nvPicPr>
+            <p:cNvPr id="7" name="図 6">
+              <a:extLst>
+                <a:ext uri="{FF2B5EF4-FFF2-40B4-BE49-F238E27FC236}">
+                  <a16:creationId xmlns:a16="http://schemas.microsoft.com/office/drawing/2014/main" id="{842C1EEB-1996-0040-8F03-7238778616A4}"/>
+                </a:ext>
+              </a:extLst>
+            </p:cNvPr>
+            <p:cNvPicPr>
+              <a:picLocks noChangeAspect="1"/>
+            </p:cNvPicPr>
+            <p:nvPr/>
+          </p:nvPicPr>
+          <p:blipFill>
+            <a:blip r:embed="rId2" cstate="print">
+              <a:extLst>
+                <a:ext uri="{28A0092B-C50C-407E-A947-70E740481C1C}">
+                  <a14:useLocalDpi xmlns:a14="http://schemas.microsoft.com/office/drawing/2010/main"/>
+                </a:ext>
+              </a:extLst>
+            </a:blip>
+            <a:stretch>
+              <a:fillRect/>
+            </a:stretch>
+          </p:blipFill>
+          <p:spPr>
+            <a:xfrm>
+              <a:off x="4026507" y="2837312"/>
+              <a:ext cx="4300212" cy="1600200"/>
+            </a:xfrm>
+            <a:prstGeom prst="rect">
               <a:avLst/>
-            </a:prstTxWarp>
-            <a:noAutofit/>
-          </a:bodyPr>
-          <a:lstStyle/>
-          <a:p>
-            <a:pPr algn="ctr" defTabSz="932472" fontAlgn="base">
-              <a:lnSpc>
-                <a:spcPct val="90000"/>
-              </a:lnSpc>
-              <a:spcBef>
-                <a:spcPct val="0"/>
-              </a:spcBef>
-              <a:spcAft>
-                <a:spcPct val="0"/>
-              </a:spcAft>
-            </a:pPr>
-            <a:endParaRPr kumimoji="1" lang="ja-JP" altLang="en-US" sz="900" dirty="0" err="1">
-              <a:gradFill>
-                <a:gsLst>
-                  <a:gs pos="0">
-                    <a:srgbClr val="FFFFFF"/>
-                  </a:gs>
-                  <a:gs pos="100000">
-                    <a:srgbClr val="FFFFFF"/>
-                  </a:gs>
-                </a:gsLst>
-                <a:lin ang="5400000" scaled="0"/>
-              </a:gradFill>
-              <a:latin typeface="+mj-ea"/>
-              <a:ea typeface="+mj-ea"/>
-              <a:cs typeface="Segoe UI" pitchFamily="34" charset="0"/>
-            </a:endParaRPr>
-          </a:p>
-        </p:txBody>
-      </p:sp>
-      <p:sp>
-        <p:nvSpPr>
-          <p:cNvPr id="6" name="正方形/長方形 5">
-            <a:extLst>
-              <a:ext uri="{FF2B5EF4-FFF2-40B4-BE49-F238E27FC236}">
-                <a16:creationId xmlns:a16="http://schemas.microsoft.com/office/drawing/2014/main" id="{AB7A3A8F-C018-1847-A783-7D72DBF278F5}"/>
-              </a:ext>
-            </a:extLst>
-          </p:cNvPr>
-          <p:cNvSpPr/>
-          <p:nvPr/>
-        </p:nvSpPr>
-        <p:spPr bwMode="auto">
-          <a:xfrm>
-            <a:off x="3998563" y="3794501"/>
-            <a:ext cx="800745" cy="240223"/>
-          </a:xfrm>
-          <a:prstGeom prst="rect">
-            <a:avLst/>
-          </a:prstGeom>
-          <a:noFill/>
-          <a:ln w="25400">
-            <a:solidFill>
-              <a:srgbClr val="FF2600"/>
-            </a:solidFill>
-            <a:headEnd type="none" w="med" len="med"/>
-            <a:tailEnd type="none" w="med" len="med"/>
-          </a:ln>
-          <a:effectLst/>
-        </p:spPr>
-        <p:style>
-          <a:lnRef idx="1">
-            <a:schemeClr val="accent2"/>
-          </a:lnRef>
-          <a:fillRef idx="3">
-            <a:schemeClr val="accent2"/>
-          </a:fillRef>
-          <a:effectRef idx="2">
-            <a:schemeClr val="accent2"/>
-          </a:effectRef>
-          <a:fontRef idx="minor">
-            <a:schemeClr val="lt1"/>
-          </a:fontRef>
-        </p:style>
-        <p:txBody>
-          <a:bodyPr rot="0" spcFirstLastPara="0" vertOverflow="overflow" horzOverflow="overflow" vert="horz" wrap="none" lIns="182880" tIns="146304" rIns="182880" bIns="146304" numCol="1" spcCol="0" rtlCol="0" fromWordArt="0" anchor="ctr" anchorCtr="0" forceAA="0" compatLnSpc="1">
-            <a:prstTxWarp prst="textNoShape">
+            </a:prstGeom>
+            <a:ln>
+              <a:solidFill>
+                <a:schemeClr val="tx1"/>
+              </a:solidFill>
+            </a:ln>
+          </p:spPr>
+        </p:pic>
+        <p:sp>
+          <p:nvSpPr>
+            <p:cNvPr id="5" name="正方形/長方形 4">
+              <a:extLst>
+                <a:ext uri="{FF2B5EF4-FFF2-40B4-BE49-F238E27FC236}">
+                  <a16:creationId xmlns:a16="http://schemas.microsoft.com/office/drawing/2014/main" id="{F9A80A38-5991-F94C-B987-4678AF8B3EB5}"/>
+                </a:ext>
+              </a:extLst>
+            </p:cNvPr>
+            <p:cNvSpPr/>
+            <p:nvPr/>
+          </p:nvSpPr>
+          <p:spPr bwMode="auto">
+            <a:xfrm>
+              <a:off x="4094674" y="3180916"/>
+              <a:ext cx="4163878" cy="201478"/>
+            </a:xfrm>
+            <a:prstGeom prst="rect">
               <a:avLst/>
-            </a:prstTxWarp>
-            <a:noAutofit/>
-          </a:bodyPr>
-          <a:lstStyle/>
-          <a:p>
-            <a:pPr algn="ctr" defTabSz="932472" fontAlgn="base">
-              <a:lnSpc>
-                <a:spcPct val="90000"/>
-              </a:lnSpc>
-              <a:spcBef>
-                <a:spcPct val="0"/>
-              </a:spcBef>
-              <a:spcAft>
-                <a:spcPct val="0"/>
-              </a:spcAft>
-            </a:pPr>
-            <a:endParaRPr kumimoji="1" lang="ja-JP" altLang="en-US" sz="900" dirty="0" err="1">
-              <a:gradFill>
-                <a:gsLst>
-                  <a:gs pos="0">
-                    <a:srgbClr val="FFFFFF"/>
-                  </a:gs>
-                  <a:gs pos="100000">
-                    <a:srgbClr val="FFFFFF"/>
-                  </a:gs>
-                </a:gsLst>
-                <a:lin ang="5400000" scaled="0"/>
-              </a:gradFill>
-              <a:latin typeface="+mj-ea"/>
-              <a:ea typeface="+mj-ea"/>
-              <a:cs typeface="Segoe UI" pitchFamily="34" charset="0"/>
-            </a:endParaRPr>
-          </a:p>
-        </p:txBody>
-      </p:sp>
+            </a:prstGeom>
+            <a:noFill/>
+            <a:ln w="25400">
+              <a:solidFill>
+                <a:srgbClr val="FF2600"/>
+              </a:solidFill>
+              <a:headEnd type="none" w="med" len="med"/>
+              <a:tailEnd type="none" w="med" len="med"/>
+            </a:ln>
+            <a:effectLst/>
+          </p:spPr>
+          <p:style>
+            <a:lnRef idx="1">
+              <a:schemeClr val="accent2"/>
+            </a:lnRef>
+            <a:fillRef idx="3">
+              <a:schemeClr val="accent2"/>
+            </a:fillRef>
+            <a:effectRef idx="2">
+              <a:schemeClr val="accent2"/>
+            </a:effectRef>
+            <a:fontRef idx="minor">
+              <a:schemeClr val="lt1"/>
+            </a:fontRef>
+          </p:style>
+          <p:txBody>
+            <a:bodyPr rot="0" spcFirstLastPara="0" vertOverflow="overflow" horzOverflow="overflow" vert="horz" wrap="none" lIns="182880" tIns="146304" rIns="182880" bIns="146304" numCol="1" spcCol="0" rtlCol="0" fromWordArt="0" anchor="ctr" anchorCtr="0" forceAA="0" compatLnSpc="1">
+              <a:prstTxWarp prst="textNoShape">
+                <a:avLst/>
+              </a:prstTxWarp>
+              <a:noAutofit/>
+            </a:bodyPr>
+            <a:lstStyle/>
+            <a:p>
+              <a:pPr algn="ctr" defTabSz="932472" fontAlgn="base">
+                <a:lnSpc>
+                  <a:spcPct val="90000"/>
+                </a:lnSpc>
+                <a:spcBef>
+                  <a:spcPct val="0"/>
+                </a:spcBef>
+                <a:spcAft>
+                  <a:spcPct val="0"/>
+                </a:spcAft>
+              </a:pPr>
+              <a:endParaRPr kumimoji="1" lang="ja-JP" altLang="en-US" sz="900" dirty="0" err="1">
+                <a:gradFill>
+                  <a:gsLst>
+                    <a:gs pos="0">
+                      <a:srgbClr val="FFFFFF"/>
+                    </a:gs>
+                    <a:gs pos="100000">
+                      <a:srgbClr val="FFFFFF"/>
+                    </a:gs>
+                  </a:gsLst>
+                  <a:lin ang="5400000" scaled="0"/>
+                </a:gradFill>
+                <a:latin typeface="+mj-ea"/>
+                <a:ea typeface="+mj-ea"/>
+                <a:cs typeface="Segoe UI" pitchFamily="34" charset="0"/>
+              </a:endParaRPr>
+            </a:p>
+          </p:txBody>
+        </p:sp>
+        <p:sp>
+          <p:nvSpPr>
+            <p:cNvPr id="6" name="正方形/長方形 5">
+              <a:extLst>
+                <a:ext uri="{FF2B5EF4-FFF2-40B4-BE49-F238E27FC236}">
+                  <a16:creationId xmlns:a16="http://schemas.microsoft.com/office/drawing/2014/main" id="{AB7A3A8F-C018-1847-A783-7D72DBF278F5}"/>
+                </a:ext>
+              </a:extLst>
+            </p:cNvPr>
+            <p:cNvSpPr/>
+            <p:nvPr/>
+          </p:nvSpPr>
+          <p:spPr bwMode="auto">
+            <a:xfrm>
+              <a:off x="4064823" y="3966777"/>
+              <a:ext cx="800745" cy="240223"/>
+            </a:xfrm>
+            <a:prstGeom prst="rect">
+              <a:avLst/>
+            </a:prstGeom>
+            <a:noFill/>
+            <a:ln w="25400">
+              <a:solidFill>
+                <a:srgbClr val="FF2600"/>
+              </a:solidFill>
+              <a:headEnd type="none" w="med" len="med"/>
+              <a:tailEnd type="none" w="med" len="med"/>
+            </a:ln>
+            <a:effectLst/>
+          </p:spPr>
+          <p:style>
+            <a:lnRef idx="1">
+              <a:schemeClr val="accent2"/>
+            </a:lnRef>
+            <a:fillRef idx="3">
+              <a:schemeClr val="accent2"/>
+            </a:fillRef>
+            <a:effectRef idx="2">
+              <a:schemeClr val="accent2"/>
+            </a:effectRef>
+            <a:fontRef idx="minor">
+              <a:schemeClr val="lt1"/>
+            </a:fontRef>
+          </p:style>
+          <p:txBody>
+            <a:bodyPr rot="0" spcFirstLastPara="0" vertOverflow="overflow" horzOverflow="overflow" vert="horz" wrap="none" lIns="182880" tIns="146304" rIns="182880" bIns="146304" numCol="1" spcCol="0" rtlCol="0" fromWordArt="0" anchor="ctr" anchorCtr="0" forceAA="0" compatLnSpc="1">
+              <a:prstTxWarp prst="textNoShape">
+                <a:avLst/>
+              </a:prstTxWarp>
+              <a:noAutofit/>
+            </a:bodyPr>
+            <a:lstStyle/>
+            <a:p>
+              <a:pPr algn="ctr" defTabSz="932472" fontAlgn="base">
+                <a:lnSpc>
+                  <a:spcPct val="90000"/>
+                </a:lnSpc>
+                <a:spcBef>
+                  <a:spcPct val="0"/>
+                </a:spcBef>
+                <a:spcAft>
+                  <a:spcPct val="0"/>
+                </a:spcAft>
+              </a:pPr>
+              <a:endParaRPr kumimoji="1" lang="ja-JP" altLang="en-US" sz="900" dirty="0" err="1">
+                <a:gradFill>
+                  <a:gsLst>
+                    <a:gs pos="0">
+                      <a:srgbClr val="FFFFFF"/>
+                    </a:gs>
+                    <a:gs pos="100000">
+                      <a:srgbClr val="FFFFFF"/>
+                    </a:gs>
+                  </a:gsLst>
+                  <a:lin ang="5400000" scaled="0"/>
+                </a:gradFill>
+                <a:latin typeface="+mj-ea"/>
+                <a:ea typeface="+mj-ea"/>
+                <a:cs typeface="Segoe UI" pitchFamily="34" charset="0"/>
+              </a:endParaRPr>
+            </a:p>
+          </p:txBody>
+        </p:sp>
+      </p:grpSp>
     </p:spTree>
     <p:extLst>
       <p:ext uri="{BB962C8B-B14F-4D97-AF65-F5344CB8AC3E}">
@@ -6777,10 +6836,10 @@
       </p:sp>
       <p:pic>
         <p:nvPicPr>
-          <p:cNvPr id="8" name="図 7">
-            <a:extLst>
-              <a:ext uri="{FF2B5EF4-FFF2-40B4-BE49-F238E27FC236}">
-                <a16:creationId xmlns:a16="http://schemas.microsoft.com/office/drawing/2014/main" id="{0A23551D-4AFB-B345-8AF4-527543E8B5BC}"/>
+          <p:cNvPr id="6" name="図 5">
+            <a:extLst>
+              <a:ext uri="{FF2B5EF4-FFF2-40B4-BE49-F238E27FC236}">
+                <a16:creationId xmlns:a16="http://schemas.microsoft.com/office/drawing/2014/main" id="{5FA2D3C3-53EC-D54D-92B2-858A43D8946B}"/>
               </a:ext>
             </a:extLst>
           </p:cNvPr>
@@ -6789,19 +6848,25 @@
           </p:cNvPicPr>
           <p:nvPr/>
         </p:nvPicPr>
-        <p:blipFill rotWithShape="1">
+        <p:blipFill>
           <a:blip r:embed="rId2"/>
-          <a:srcRect l="24335" b="39162"/>
-          <a:stretch/>
+          <a:stretch>
+            <a:fillRect/>
+          </a:stretch>
         </p:blipFill>
         <p:spPr>
           <a:xfrm>
-            <a:off x="2093842" y="2033358"/>
-            <a:ext cx="4641317" cy="1982052"/>
+            <a:off x="2858900" y="1203125"/>
+            <a:ext cx="4471799" cy="3789140"/>
           </a:xfrm>
           <a:prstGeom prst="rect">
             <a:avLst/>
           </a:prstGeom>
+          <a:ln>
+            <a:solidFill>
+              <a:schemeClr val="tx1"/>
+            </a:solidFill>
+          </a:ln>
         </p:spPr>
       </p:pic>
     </p:spTree>
@@ -6875,10 +6940,10 @@
       </p:sp>
       <p:pic>
         <p:nvPicPr>
-          <p:cNvPr id="4" name="図 3">
-            <a:extLst>
-              <a:ext uri="{FF2B5EF4-FFF2-40B4-BE49-F238E27FC236}">
-                <a16:creationId xmlns:a16="http://schemas.microsoft.com/office/drawing/2014/main" id="{A249AAB8-69B2-F64B-AC23-B30050A9F93C}"/>
+          <p:cNvPr id="5" name="図 4">
+            <a:extLst>
+              <a:ext uri="{FF2B5EF4-FFF2-40B4-BE49-F238E27FC236}">
+                <a16:creationId xmlns:a16="http://schemas.microsoft.com/office/drawing/2014/main" id="{C07CC138-2382-C945-8812-A42E43488A1A}"/>
               </a:ext>
             </a:extLst>
           </p:cNvPr>
@@ -6888,19 +6953,30 @@
           <p:nvPr/>
         </p:nvPicPr>
         <p:blipFill>
-          <a:blip r:embed="rId2"/>
+          <a:blip r:embed="rId2" cstate="print">
+            <a:extLst>
+              <a:ext uri="{28A0092B-C50C-407E-A947-70E740481C1C}">
+                <a14:useLocalDpi xmlns:a14="http://schemas.microsoft.com/office/drawing/2010/main"/>
+              </a:ext>
+            </a:extLst>
+          </a:blip>
           <a:stretch>
             <a:fillRect/>
           </a:stretch>
         </p:blipFill>
         <p:spPr>
           <a:xfrm>
-            <a:off x="3429000" y="2410575"/>
-            <a:ext cx="5334000" cy="2036849"/>
+            <a:off x="2435087" y="2128795"/>
+            <a:ext cx="5334000" cy="1975789"/>
           </a:xfrm>
           <a:prstGeom prst="rect">
             <a:avLst/>
           </a:prstGeom>
+          <a:ln>
+            <a:solidFill>
+              <a:schemeClr val="tx1"/>
+            </a:solidFill>
+          </a:ln>
         </p:spPr>
       </p:pic>
     </p:spTree>
@@ -6972,119 +7048,145 @@
           </a:p>
         </p:txBody>
       </p:sp>
-      <p:pic>
-        <p:nvPicPr>
-          <p:cNvPr id="5" name="図 4">
-            <a:extLst>
-              <a:ext uri="{FF2B5EF4-FFF2-40B4-BE49-F238E27FC236}">
-                <a16:creationId xmlns:a16="http://schemas.microsoft.com/office/drawing/2014/main" id="{91B63CD7-4385-B147-8674-4467AA058175}"/>
-              </a:ext>
-            </a:extLst>
-          </p:cNvPr>
-          <p:cNvPicPr>
-            <a:picLocks noChangeAspect="1"/>
-          </p:cNvPicPr>
+      <p:grpSp>
+        <p:nvGrpSpPr>
+          <p:cNvPr id="7" name="グループ化 6">
+            <a:extLst>
+              <a:ext uri="{FF2B5EF4-FFF2-40B4-BE49-F238E27FC236}">
+                <a16:creationId xmlns:a16="http://schemas.microsoft.com/office/drawing/2014/main" id="{22348129-2602-DF42-91C6-AD7F030FDCA8}"/>
+              </a:ext>
+            </a:extLst>
+          </p:cNvPr>
+          <p:cNvGrpSpPr/>
           <p:nvPr/>
-        </p:nvPicPr>
-        <p:blipFill>
-          <a:blip r:embed="rId2"/>
-          <a:stretch>
-            <a:fillRect/>
-          </a:stretch>
-        </p:blipFill>
-        <p:spPr>
+        </p:nvGrpSpPr>
+        <p:grpSpPr>
           <a:xfrm>
-            <a:off x="2298699" y="1690688"/>
-            <a:ext cx="5765800" cy="4508500"/>
+            <a:off x="3416300" y="1580638"/>
+            <a:ext cx="5359400" cy="3244850"/>
+            <a:chOff x="3416300" y="1580638"/>
+            <a:chExt cx="5359400" cy="3244850"/>
           </a:xfrm>
-          <a:prstGeom prst="rect">
-            <a:avLst/>
-          </a:prstGeom>
-        </p:spPr>
-      </p:pic>
-      <p:sp>
-        <p:nvSpPr>
-          <p:cNvPr id="6" name="正方形/長方形 5">
-            <a:extLst>
-              <a:ext uri="{FF2B5EF4-FFF2-40B4-BE49-F238E27FC236}">
-                <a16:creationId xmlns:a16="http://schemas.microsoft.com/office/drawing/2014/main" id="{D6C41719-6091-B941-A1F5-EF6C5409CC09}"/>
-              </a:ext>
-            </a:extLst>
-          </p:cNvPr>
-          <p:cNvSpPr/>
-          <p:nvPr/>
-        </p:nvSpPr>
-        <p:spPr bwMode="auto">
-          <a:xfrm>
-            <a:off x="2298699" y="5876040"/>
-            <a:ext cx="765049" cy="155389"/>
-          </a:xfrm>
-          <a:prstGeom prst="rect">
-            <a:avLst/>
-          </a:prstGeom>
-          <a:noFill/>
-          <a:ln w="25400">
-            <a:solidFill>
-              <a:srgbClr val="FF2600"/>
-            </a:solidFill>
-            <a:headEnd type="none" w="med" len="med"/>
-            <a:tailEnd type="none" w="med" len="med"/>
-          </a:ln>
-          <a:effectLst/>
-        </p:spPr>
-        <p:style>
-          <a:lnRef idx="1">
-            <a:schemeClr val="accent2"/>
-          </a:lnRef>
-          <a:fillRef idx="3">
-            <a:schemeClr val="accent2"/>
-          </a:fillRef>
-          <a:effectRef idx="2">
-            <a:schemeClr val="accent2"/>
-          </a:effectRef>
-          <a:fontRef idx="minor">
-            <a:schemeClr val="lt1"/>
-          </a:fontRef>
-        </p:style>
-        <p:txBody>
-          <a:bodyPr rot="0" spcFirstLastPara="0" vertOverflow="overflow" horzOverflow="overflow" vert="horz" wrap="none" lIns="182880" tIns="146304" rIns="182880" bIns="146304" numCol="1" spcCol="0" rtlCol="0" fromWordArt="0" anchor="ctr" anchorCtr="0" forceAA="0" compatLnSpc="1">
-            <a:prstTxWarp prst="textNoShape">
+        </p:grpSpPr>
+        <p:pic>
+          <p:nvPicPr>
+            <p:cNvPr id="4" name="図 3">
+              <a:extLst>
+                <a:ext uri="{FF2B5EF4-FFF2-40B4-BE49-F238E27FC236}">
+                  <a16:creationId xmlns:a16="http://schemas.microsoft.com/office/drawing/2014/main" id="{53B1DA31-3F69-5640-AFAB-02965BF50858}"/>
+                </a:ext>
+              </a:extLst>
+            </p:cNvPr>
+            <p:cNvPicPr>
+              <a:picLocks noChangeAspect="1"/>
+            </p:cNvPicPr>
+            <p:nvPr/>
+          </p:nvPicPr>
+          <p:blipFill>
+            <a:blip r:embed="rId2"/>
+            <a:stretch>
+              <a:fillRect/>
+            </a:stretch>
+          </p:blipFill>
+          <p:spPr>
+            <a:xfrm>
+              <a:off x="3416300" y="1580638"/>
+              <a:ext cx="5359400" cy="3244850"/>
+            </a:xfrm>
+            <a:prstGeom prst="rect">
               <a:avLst/>
-            </a:prstTxWarp>
-            <a:noAutofit/>
-          </a:bodyPr>
-          <a:lstStyle/>
-          <a:p>
-            <a:pPr algn="ctr" defTabSz="932472" fontAlgn="base">
-              <a:lnSpc>
-                <a:spcPct val="90000"/>
-              </a:lnSpc>
-              <a:spcBef>
-                <a:spcPct val="0"/>
-              </a:spcBef>
-              <a:spcAft>
-                <a:spcPct val="0"/>
-              </a:spcAft>
-            </a:pPr>
-            <a:endParaRPr kumimoji="1" lang="ja-JP" altLang="en-US" sz="900" dirty="0" err="1">
-              <a:gradFill>
-                <a:gsLst>
-                  <a:gs pos="0">
-                    <a:srgbClr val="FFFFFF"/>
-                  </a:gs>
-                  <a:gs pos="100000">
-                    <a:srgbClr val="FFFFFF"/>
-                  </a:gs>
-                </a:gsLst>
-                <a:lin ang="5400000" scaled="0"/>
-              </a:gradFill>
-              <a:latin typeface="+mj-ea"/>
-              <a:ea typeface="+mj-ea"/>
-              <a:cs typeface="Segoe UI" pitchFamily="34" charset="0"/>
-            </a:endParaRPr>
-          </a:p>
-        </p:txBody>
-      </p:sp>
+            </a:prstGeom>
+            <a:ln>
+              <a:solidFill>
+                <a:schemeClr val="tx1"/>
+              </a:solidFill>
+            </a:ln>
+          </p:spPr>
+        </p:pic>
+        <p:sp>
+          <p:nvSpPr>
+            <p:cNvPr id="6" name="正方形/長方形 5">
+              <a:extLst>
+                <a:ext uri="{FF2B5EF4-FFF2-40B4-BE49-F238E27FC236}">
+                  <a16:creationId xmlns:a16="http://schemas.microsoft.com/office/drawing/2014/main" id="{D6C41719-6091-B941-A1F5-EF6C5409CC09}"/>
+                </a:ext>
+              </a:extLst>
+            </p:cNvPr>
+            <p:cNvSpPr/>
+            <p:nvPr/>
+          </p:nvSpPr>
+          <p:spPr bwMode="auto">
+            <a:xfrm>
+              <a:off x="3416300" y="4638261"/>
+              <a:ext cx="1102691" cy="187227"/>
+            </a:xfrm>
+            <a:prstGeom prst="rect">
+              <a:avLst/>
+            </a:prstGeom>
+            <a:noFill/>
+            <a:ln w="25400">
+              <a:solidFill>
+                <a:srgbClr val="FF2600"/>
+              </a:solidFill>
+              <a:headEnd type="none" w="med" len="med"/>
+              <a:tailEnd type="none" w="med" len="med"/>
+            </a:ln>
+            <a:effectLst/>
+          </p:spPr>
+          <p:style>
+            <a:lnRef idx="1">
+              <a:schemeClr val="accent2"/>
+            </a:lnRef>
+            <a:fillRef idx="3">
+              <a:schemeClr val="accent2"/>
+            </a:fillRef>
+            <a:effectRef idx="2">
+              <a:schemeClr val="accent2"/>
+            </a:effectRef>
+            <a:fontRef idx="minor">
+              <a:schemeClr val="lt1"/>
+            </a:fontRef>
+          </p:style>
+          <p:txBody>
+            <a:bodyPr rot="0" spcFirstLastPara="0" vertOverflow="overflow" horzOverflow="overflow" vert="horz" wrap="none" lIns="182880" tIns="146304" rIns="182880" bIns="146304" numCol="1" spcCol="0" rtlCol="0" fromWordArt="0" anchor="ctr" anchorCtr="0" forceAA="0" compatLnSpc="1">
+              <a:prstTxWarp prst="textNoShape">
+                <a:avLst/>
+              </a:prstTxWarp>
+              <a:noAutofit/>
+            </a:bodyPr>
+            <a:lstStyle/>
+            <a:p>
+              <a:pPr algn="ctr" defTabSz="932472" fontAlgn="base">
+                <a:lnSpc>
+                  <a:spcPct val="90000"/>
+                </a:lnSpc>
+                <a:spcBef>
+                  <a:spcPct val="0"/>
+                </a:spcBef>
+                <a:spcAft>
+                  <a:spcPct val="0"/>
+                </a:spcAft>
+              </a:pPr>
+              <a:endParaRPr kumimoji="1" lang="ja-JP" altLang="en-US" sz="900" dirty="0" err="1">
+                <a:gradFill>
+                  <a:gsLst>
+                    <a:gs pos="0">
+                      <a:srgbClr val="FFFFFF"/>
+                    </a:gs>
+                    <a:gs pos="100000">
+                      <a:srgbClr val="FFFFFF"/>
+                    </a:gs>
+                  </a:gsLst>
+                  <a:lin ang="5400000" scaled="0"/>
+                </a:gradFill>
+                <a:latin typeface="+mj-ea"/>
+                <a:ea typeface="+mj-ea"/>
+                <a:cs typeface="Segoe UI" pitchFamily="34" charset="0"/>
+              </a:endParaRPr>
+            </a:p>
+          </p:txBody>
+        </p:sp>
+      </p:grpSp>
     </p:spTree>
     <p:extLst>
       <p:ext uri="{BB962C8B-B14F-4D97-AF65-F5344CB8AC3E}">
@@ -7156,10 +7258,10 @@
       </p:sp>
       <p:grpSp>
         <p:nvGrpSpPr>
-          <p:cNvPr id="6" name="グループ化 5">
-            <a:extLst>
-              <a:ext uri="{FF2B5EF4-FFF2-40B4-BE49-F238E27FC236}">
-                <a16:creationId xmlns:a16="http://schemas.microsoft.com/office/drawing/2014/main" id="{6C603461-0478-0745-A7C9-7B75D819E067}"/>
+          <p:cNvPr id="8" name="グループ化 7">
+            <a:extLst>
+              <a:ext uri="{FF2B5EF4-FFF2-40B4-BE49-F238E27FC236}">
+                <a16:creationId xmlns:a16="http://schemas.microsoft.com/office/drawing/2014/main" id="{3F4C1365-DBE1-954D-A0EE-BF8E6EE0C78B}"/>
               </a:ext>
             </a:extLst>
           </p:cNvPr>
@@ -7168,18 +7270,18 @@
         </p:nvGrpSpPr>
         <p:grpSpPr>
           <a:xfrm>
-            <a:off x="2770591" y="2345804"/>
-            <a:ext cx="6159500" cy="3340100"/>
-            <a:chOff x="2770591" y="2345804"/>
-            <a:chExt cx="6159500" cy="3340100"/>
+            <a:off x="3243025" y="1351449"/>
+            <a:ext cx="6159500" cy="4155102"/>
+            <a:chOff x="3243025" y="1351449"/>
+            <a:chExt cx="6159500" cy="4155102"/>
           </a:xfrm>
         </p:grpSpPr>
         <p:pic>
           <p:nvPicPr>
-            <p:cNvPr id="4" name="図 3">
+            <p:cNvPr id="7" name="図 6">
               <a:extLst>
                 <a:ext uri="{FF2B5EF4-FFF2-40B4-BE49-F238E27FC236}">
-                  <a16:creationId xmlns:a16="http://schemas.microsoft.com/office/drawing/2014/main" id="{F7F341F4-CFCF-BF4F-8FA3-113B18951AA3}"/>
+                  <a16:creationId xmlns:a16="http://schemas.microsoft.com/office/drawing/2014/main" id="{3DE23964-DEE9-5148-9CCB-D91AF872849A}"/>
                 </a:ext>
               </a:extLst>
             </p:cNvPr>
@@ -7189,19 +7291,30 @@
             <p:nvPr/>
           </p:nvPicPr>
           <p:blipFill>
-            <a:blip r:embed="rId2"/>
+            <a:blip r:embed="rId2" cstate="print">
+              <a:extLst>
+                <a:ext uri="{28A0092B-C50C-407E-A947-70E740481C1C}">
+                  <a14:useLocalDpi xmlns:a14="http://schemas.microsoft.com/office/drawing/2010/main"/>
+                </a:ext>
+              </a:extLst>
+            </a:blip>
             <a:stretch>
               <a:fillRect/>
             </a:stretch>
           </p:blipFill>
           <p:spPr>
             <a:xfrm>
-              <a:off x="2770591" y="2345804"/>
-              <a:ext cx="6159500" cy="3340100"/>
+              <a:off x="3243025" y="1351449"/>
+              <a:ext cx="6159500" cy="4155102"/>
             </a:xfrm>
             <a:prstGeom prst="rect">
               <a:avLst/>
             </a:prstGeom>
+            <a:ln>
+              <a:solidFill>
+                <a:schemeClr val="tx1"/>
+              </a:solidFill>
+            </a:ln>
           </p:spPr>
         </p:pic>
         <p:sp>
@@ -7218,8 +7331,8 @@
           </p:nvSpPr>
           <p:spPr bwMode="auto">
             <a:xfrm>
-              <a:off x="4194795" y="4142775"/>
-              <a:ext cx="704752" cy="238156"/>
+              <a:off x="5618023" y="4921339"/>
+              <a:ext cx="3578986" cy="485547"/>
             </a:xfrm>
             <a:prstGeom prst="rect">
               <a:avLst/>
